--- a/ELK - docker compose - stock ms -.pptx
+++ b/ELK - docker compose - stock ms -.pptx
@@ -8,7 +8,9 @@
     <p:sldId id="256" r:id="rId2"/>
     <p:sldId id="257" r:id="rId3"/>
     <p:sldId id="258" r:id="rId4"/>
-    <p:sldId id="259" r:id="rId5"/>
+    <p:sldId id="260" r:id="rId5"/>
+    <p:sldId id="261" r:id="rId6"/>
+    <p:sldId id="259" r:id="rId7"/>
   </p:sldIdLst>
   <p:sldSz cx="12192000" cy="6858000"/>
   <p:notesSz cx="6858000" cy="9144000"/>
@@ -107,6 +109,11 @@
       </a:defRPr>
     </a:lvl9pPr>
   </p:defaultTextStyle>
+  <p:extLst>
+    <p:ext uri="{EFAFB233-063F-42B5-8137-9DF3F51BA10A}">
+      <p15:sldGuideLst xmlns:p15="http://schemas.microsoft.com/office/powerpoint/2012/main"/>
+    </p:ext>
+  </p:extLst>
 </p:presentation>
 </file>
 
@@ -6279,6 +6286,197 @@
           <a:bodyPr/>
           <a:lstStyle/>
           <a:p>
+            <a:r>
+              <a:rPr lang="fr-FR" dirty="0" smtClean="0"/>
+              <a:t>Démarrage de la </a:t>
+            </a:r>
+            <a:r>
+              <a:rPr lang="fr-FR" dirty="0" err="1" smtClean="0"/>
+              <a:t>stack</a:t>
+            </a:r>
+            <a:r>
+              <a:rPr lang="fr-FR" dirty="0" smtClean="0"/>
+              <a:t> ELK et stock-ms</a:t>
+            </a:r>
+            <a:endParaRPr lang="fr-FR" dirty="0"/>
+          </a:p>
+        </p:txBody>
+      </p:sp>
+      <p:sp>
+        <p:nvSpPr>
+          <p:cNvPr id="5" name="Espace réservé du contenu 4"/>
+          <p:cNvSpPr>
+            <a:spLocks noGrp="1"/>
+          </p:cNvSpPr>
+          <p:nvPr>
+            <p:ph idx="1"/>
+          </p:nvPr>
+        </p:nvSpPr>
+        <p:spPr/>
+        <p:txBody>
+          <a:bodyPr/>
+          <a:lstStyle/>
+          <a:p>
+            <a:endParaRPr lang="fr-FR"/>
+          </a:p>
+        </p:txBody>
+      </p:sp>
+      <p:pic>
+        <p:nvPicPr>
+          <p:cNvPr id="6" name="Image 5"/>
+          <p:cNvPicPr>
+            <a:picLocks noChangeAspect="1"/>
+          </p:cNvPicPr>
+          <p:nvPr/>
+        </p:nvPicPr>
+        <p:blipFill>
+          <a:blip r:embed="rId2"/>
+          <a:stretch>
+            <a:fillRect/>
+          </a:stretch>
+        </p:blipFill>
+        <p:spPr>
+          <a:xfrm>
+            <a:off x="1106248" y="2022680"/>
+            <a:ext cx="8943605" cy="4255955"/>
+          </a:xfrm>
+          <a:prstGeom prst="rect">
+            <a:avLst/>
+          </a:prstGeom>
+        </p:spPr>
+      </p:pic>
+    </p:spTree>
+    <p:extLst>
+      <p:ext uri="{BB962C8B-B14F-4D97-AF65-F5344CB8AC3E}">
+        <p14:creationId xmlns:p14="http://schemas.microsoft.com/office/powerpoint/2010/main" val="1659632757"/>
+      </p:ext>
+    </p:extLst>
+  </p:cSld>
+  <p:clrMapOvr>
+    <a:masterClrMapping/>
+  </p:clrMapOvr>
+</p:sld>
+</file>
+
+<file path=ppt/slides/slide5.xml><?xml version="1.0" encoding="utf-8"?>
+<p:sld xmlns:a="http://schemas.openxmlformats.org/drawingml/2006/main" xmlns:r="http://schemas.openxmlformats.org/officeDocument/2006/relationships" xmlns:p="http://schemas.openxmlformats.org/presentationml/2006/main">
+  <p:cSld>
+    <p:spTree>
+      <p:nvGrpSpPr>
+        <p:cNvPr id="1" name=""/>
+        <p:cNvGrpSpPr/>
+        <p:nvPr/>
+      </p:nvGrpSpPr>
+      <p:grpSpPr>
+        <a:xfrm>
+          <a:off x="0" y="0"/>
+          <a:ext cx="0" cy="0"/>
+          <a:chOff x="0" y="0"/>
+          <a:chExt cx="0" cy="0"/>
+        </a:xfrm>
+      </p:grpSpPr>
+      <p:sp>
+        <p:nvSpPr>
+          <p:cNvPr id="2" name="Titre 1"/>
+          <p:cNvSpPr>
+            <a:spLocks noGrp="1"/>
+          </p:cNvSpPr>
+          <p:nvPr>
+            <p:ph type="title"/>
+          </p:nvPr>
+        </p:nvSpPr>
+        <p:spPr/>
+        <p:txBody>
+          <a:bodyPr/>
+          <a:lstStyle/>
+          <a:p>
+            <a:r>
+              <a:rPr lang="fr-FR" b="1" dirty="0" smtClean="0"/>
+              <a:t>Visualisation </a:t>
+            </a:r>
+            <a:r>
+              <a:rPr lang="fr-FR" b="1" dirty="0"/>
+              <a:t>les logs dans </a:t>
+            </a:r>
+            <a:r>
+              <a:rPr lang="fr-FR" b="1" dirty="0" err="1"/>
+              <a:t>Kibana</a:t>
+            </a:r>
+            <a:endParaRPr lang="fr-FR" b="1" dirty="0"/>
+          </a:p>
+        </p:txBody>
+      </p:sp>
+      <p:pic>
+        <p:nvPicPr>
+          <p:cNvPr id="4" name="Espace réservé du contenu 3"/>
+          <p:cNvPicPr>
+            <a:picLocks noGrp="1" noChangeAspect="1"/>
+          </p:cNvPicPr>
+          <p:nvPr>
+            <p:ph idx="1"/>
+          </p:nvPr>
+        </p:nvPicPr>
+        <p:blipFill>
+          <a:blip r:embed="rId2"/>
+          <a:stretch>
+            <a:fillRect/>
+          </a:stretch>
+        </p:blipFill>
+        <p:spPr>
+          <a:xfrm>
+            <a:off x="1268820" y="2052638"/>
+            <a:ext cx="8616136" cy="4195762"/>
+          </a:xfrm>
+          <a:prstGeom prst="rect">
+            <a:avLst/>
+          </a:prstGeom>
+        </p:spPr>
+      </p:pic>
+    </p:spTree>
+    <p:extLst>
+      <p:ext uri="{BB962C8B-B14F-4D97-AF65-F5344CB8AC3E}">
+        <p14:creationId xmlns:p14="http://schemas.microsoft.com/office/powerpoint/2010/main" val="230549073"/>
+      </p:ext>
+    </p:extLst>
+  </p:cSld>
+  <p:clrMapOvr>
+    <a:masterClrMapping/>
+  </p:clrMapOvr>
+</p:sld>
+</file>
+
+<file path=ppt/slides/slide6.xml><?xml version="1.0" encoding="utf-8"?>
+<p:sld xmlns:a="http://schemas.openxmlformats.org/drawingml/2006/main" xmlns:r="http://schemas.openxmlformats.org/officeDocument/2006/relationships" xmlns:p="http://schemas.openxmlformats.org/presentationml/2006/main">
+  <p:cSld>
+    <p:spTree>
+      <p:nvGrpSpPr>
+        <p:cNvPr id="1" name=""/>
+        <p:cNvGrpSpPr/>
+        <p:nvPr/>
+      </p:nvGrpSpPr>
+      <p:grpSpPr>
+        <a:xfrm>
+          <a:off x="0" y="0"/>
+          <a:ext cx="0" cy="0"/>
+          <a:chOff x="0" y="0"/>
+          <a:chExt cx="0" cy="0"/>
+        </a:xfrm>
+      </p:grpSpPr>
+      <p:sp>
+        <p:nvSpPr>
+          <p:cNvPr id="2" name="Titre 1"/>
+          <p:cNvSpPr>
+            <a:spLocks noGrp="1"/>
+          </p:cNvSpPr>
+          <p:nvPr>
+            <p:ph type="title"/>
+          </p:nvPr>
+        </p:nvSpPr>
+        <p:spPr/>
+        <p:txBody>
+          <a:bodyPr/>
+          <a:lstStyle/>
+          <a:p>
             <a:endParaRPr lang="fr-FR"/>
           </a:p>
         </p:txBody>
@@ -6306,8 +6504,8 @@
         </p:blipFill>
         <p:spPr>
           <a:xfrm>
-            <a:off x="1103313" y="3480867"/>
-            <a:ext cx="8947150" cy="2026803"/>
+            <a:off x="1032610" y="3365370"/>
+            <a:ext cx="9914759" cy="2245996"/>
           </a:xfrm>
         </p:spPr>
       </p:pic>

--- a/ELK - docker compose - stock ms -.pptx
+++ b/ELK - docker compose - stock ms -.pptx
@@ -10,7 +10,11 @@
     <p:sldId id="258" r:id="rId4"/>
     <p:sldId id="260" r:id="rId5"/>
     <p:sldId id="261" r:id="rId6"/>
-    <p:sldId id="259" r:id="rId7"/>
+    <p:sldId id="262" r:id="rId7"/>
+    <p:sldId id="263" r:id="rId8"/>
+    <p:sldId id="264" r:id="rId9"/>
+    <p:sldId id="265" r:id="rId10"/>
+    <p:sldId id="259" r:id="rId11"/>
   </p:sldIdLst>
   <p:sldSz cx="12192000" cy="6858000"/>
   <p:notesSz cx="6858000" cy="9144000"/>
@@ -6098,6 +6102,83 @@
 </p:sld>
 </file>
 
+<file path=ppt/slides/slide10.xml><?xml version="1.0" encoding="utf-8"?>
+<p:sld xmlns:a="http://schemas.openxmlformats.org/drawingml/2006/main" xmlns:r="http://schemas.openxmlformats.org/officeDocument/2006/relationships" xmlns:p="http://schemas.openxmlformats.org/presentationml/2006/main">
+  <p:cSld>
+    <p:spTree>
+      <p:nvGrpSpPr>
+        <p:cNvPr id="1" name=""/>
+        <p:cNvGrpSpPr/>
+        <p:nvPr/>
+      </p:nvGrpSpPr>
+      <p:grpSpPr>
+        <a:xfrm>
+          <a:off x="0" y="0"/>
+          <a:ext cx="0" cy="0"/>
+          <a:chOff x="0" y="0"/>
+          <a:chExt cx="0" cy="0"/>
+        </a:xfrm>
+      </p:grpSpPr>
+      <p:sp>
+        <p:nvSpPr>
+          <p:cNvPr id="2" name="Titre 1"/>
+          <p:cNvSpPr>
+            <a:spLocks noGrp="1"/>
+          </p:cNvSpPr>
+          <p:nvPr>
+            <p:ph type="title"/>
+          </p:nvPr>
+        </p:nvSpPr>
+        <p:spPr/>
+        <p:txBody>
+          <a:bodyPr/>
+          <a:lstStyle/>
+          <a:p>
+            <a:endParaRPr lang="fr-FR"/>
+          </a:p>
+        </p:txBody>
+      </p:sp>
+      <p:pic>
+        <p:nvPicPr>
+          <p:cNvPr id="8" name="Espace réservé du contenu 7"/>
+          <p:cNvPicPr>
+            <a:picLocks noGrp="1" noChangeAspect="1"/>
+          </p:cNvPicPr>
+          <p:nvPr>
+            <p:ph idx="1"/>
+          </p:nvPr>
+        </p:nvPicPr>
+        <p:blipFill rotWithShape="1">
+          <a:blip r:embed="rId2">
+            <a:extLst>
+              <a:ext uri="{28A0092B-C50C-407E-A947-70E740481C1C}">
+                <a14:useLocalDpi xmlns:a14="http://schemas.microsoft.com/office/drawing/2010/main" val="0"/>
+              </a:ext>
+            </a:extLst>
+          </a:blip>
+          <a:srcRect t="30362"/>
+          <a:stretch/>
+        </p:blipFill>
+        <p:spPr>
+          <a:xfrm>
+            <a:off x="1032610" y="3365370"/>
+            <a:ext cx="9914759" cy="2245996"/>
+          </a:xfrm>
+        </p:spPr>
+      </p:pic>
+    </p:spTree>
+    <p:extLst>
+      <p:ext uri="{BB962C8B-B14F-4D97-AF65-F5344CB8AC3E}">
+        <p14:creationId xmlns:p14="http://schemas.microsoft.com/office/powerpoint/2010/main" val="1238003229"/>
+      </p:ext>
+    </p:extLst>
+  </p:cSld>
+  <p:clrMapOvr>
+    <a:masterClrMapping/>
+  </p:clrMapOvr>
+</p:sld>
+</file>
+
 <file path=ppt/slides/slide2.xml><?xml version="1.0" encoding="utf-8"?>
 <p:sld xmlns:a="http://schemas.openxmlformats.org/drawingml/2006/main" xmlns:r="http://schemas.openxmlformats.org/officeDocument/2006/relationships" xmlns:p="http://schemas.openxmlformats.org/presentationml/2006/main">
   <p:cSld>
@@ -6483,7 +6564,7 @@
       </p:sp>
       <p:pic>
         <p:nvPicPr>
-          <p:cNvPr id="8" name="Espace réservé du contenu 7"/>
+          <p:cNvPr id="4" name="Espace réservé du contenu 3"/>
           <p:cNvPicPr>
             <a:picLocks noGrp="1" noChangeAspect="1"/>
           </p:cNvPicPr>
@@ -6491,28 +6572,268 @@
             <p:ph idx="1"/>
           </p:nvPr>
         </p:nvPicPr>
-        <p:blipFill rotWithShape="1">
-          <a:blip r:embed="rId2">
-            <a:extLst>
-              <a:ext uri="{28A0092B-C50C-407E-A947-70E740481C1C}">
-                <a14:useLocalDpi xmlns:a14="http://schemas.microsoft.com/office/drawing/2010/main" val="0"/>
-              </a:ext>
-            </a:extLst>
-          </a:blip>
-          <a:srcRect t="30362"/>
-          <a:stretch/>
+        <p:blipFill>
+          <a:blip r:embed="rId2"/>
+          <a:stretch>
+            <a:fillRect/>
+          </a:stretch>
         </p:blipFill>
         <p:spPr>
           <a:xfrm>
-            <a:off x="1032610" y="3365370"/>
-            <a:ext cx="9914759" cy="2245996"/>
+            <a:off x="1852875" y="2450969"/>
+            <a:ext cx="7291493" cy="3327661"/>
           </a:xfrm>
+          <a:prstGeom prst="rect">
+            <a:avLst/>
+          </a:prstGeom>
         </p:spPr>
       </p:pic>
     </p:spTree>
     <p:extLst>
       <p:ext uri="{BB962C8B-B14F-4D97-AF65-F5344CB8AC3E}">
-        <p14:creationId xmlns:p14="http://schemas.microsoft.com/office/powerpoint/2010/main" val="1238003229"/>
+        <p14:creationId xmlns:p14="http://schemas.microsoft.com/office/powerpoint/2010/main" val="2501621320"/>
+      </p:ext>
+    </p:extLst>
+  </p:cSld>
+  <p:clrMapOvr>
+    <a:masterClrMapping/>
+  </p:clrMapOvr>
+</p:sld>
+</file>
+
+<file path=ppt/slides/slide7.xml><?xml version="1.0" encoding="utf-8"?>
+<p:sld xmlns:a="http://schemas.openxmlformats.org/drawingml/2006/main" xmlns:r="http://schemas.openxmlformats.org/officeDocument/2006/relationships" xmlns:p="http://schemas.openxmlformats.org/presentationml/2006/main">
+  <p:cSld>
+    <p:spTree>
+      <p:nvGrpSpPr>
+        <p:cNvPr id="1" name=""/>
+        <p:cNvGrpSpPr/>
+        <p:nvPr/>
+      </p:nvGrpSpPr>
+      <p:grpSpPr>
+        <a:xfrm>
+          <a:off x="0" y="0"/>
+          <a:ext cx="0" cy="0"/>
+          <a:chOff x="0" y="0"/>
+          <a:chExt cx="0" cy="0"/>
+        </a:xfrm>
+      </p:grpSpPr>
+      <p:sp>
+        <p:nvSpPr>
+          <p:cNvPr id="2" name="Titre 1"/>
+          <p:cNvSpPr>
+            <a:spLocks noGrp="1"/>
+          </p:cNvSpPr>
+          <p:nvPr>
+            <p:ph type="title"/>
+          </p:nvPr>
+        </p:nvSpPr>
+        <p:spPr/>
+        <p:txBody>
+          <a:bodyPr/>
+          <a:lstStyle/>
+          <a:p>
+            <a:endParaRPr lang="fr-FR"/>
+          </a:p>
+        </p:txBody>
+      </p:sp>
+      <p:pic>
+        <p:nvPicPr>
+          <p:cNvPr id="4" name="Espace réservé du contenu 3"/>
+          <p:cNvPicPr>
+            <a:picLocks noGrp="1" noChangeAspect="1"/>
+          </p:cNvPicPr>
+          <p:nvPr>
+            <p:ph idx="1"/>
+          </p:nvPr>
+        </p:nvPicPr>
+        <p:blipFill>
+          <a:blip r:embed="rId2"/>
+          <a:stretch>
+            <a:fillRect/>
+          </a:stretch>
+        </p:blipFill>
+        <p:spPr>
+          <a:xfrm>
+            <a:off x="2728766" y="2718520"/>
+            <a:ext cx="5696243" cy="2863997"/>
+          </a:xfrm>
+          <a:prstGeom prst="rect">
+            <a:avLst/>
+          </a:prstGeom>
+        </p:spPr>
+      </p:pic>
+    </p:spTree>
+    <p:extLst>
+      <p:ext uri="{BB962C8B-B14F-4D97-AF65-F5344CB8AC3E}">
+        <p14:creationId xmlns:p14="http://schemas.microsoft.com/office/powerpoint/2010/main" val="2108076992"/>
+      </p:ext>
+    </p:extLst>
+  </p:cSld>
+  <p:clrMapOvr>
+    <a:masterClrMapping/>
+  </p:clrMapOvr>
+</p:sld>
+</file>
+
+<file path=ppt/slides/slide8.xml><?xml version="1.0" encoding="utf-8"?>
+<p:sld xmlns:a="http://schemas.openxmlformats.org/drawingml/2006/main" xmlns:r="http://schemas.openxmlformats.org/officeDocument/2006/relationships" xmlns:p="http://schemas.openxmlformats.org/presentationml/2006/main">
+  <p:cSld>
+    <p:spTree>
+      <p:nvGrpSpPr>
+        <p:cNvPr id="1" name=""/>
+        <p:cNvGrpSpPr/>
+        <p:nvPr/>
+      </p:nvGrpSpPr>
+      <p:grpSpPr>
+        <a:xfrm>
+          <a:off x="0" y="0"/>
+          <a:ext cx="0" cy="0"/>
+          <a:chOff x="0" y="0"/>
+          <a:chExt cx="0" cy="0"/>
+        </a:xfrm>
+      </p:grpSpPr>
+      <p:sp>
+        <p:nvSpPr>
+          <p:cNvPr id="2" name="Titre 1"/>
+          <p:cNvSpPr>
+            <a:spLocks noGrp="1"/>
+          </p:cNvSpPr>
+          <p:nvPr>
+            <p:ph type="title"/>
+          </p:nvPr>
+        </p:nvSpPr>
+        <p:spPr/>
+        <p:txBody>
+          <a:bodyPr/>
+          <a:lstStyle/>
+          <a:p>
+            <a:endParaRPr lang="fr-FR"/>
+          </a:p>
+        </p:txBody>
+      </p:sp>
+      <p:sp>
+        <p:nvSpPr>
+          <p:cNvPr id="3" name="Espace réservé du contenu 2"/>
+          <p:cNvSpPr>
+            <a:spLocks noGrp="1"/>
+          </p:cNvSpPr>
+          <p:nvPr>
+            <p:ph idx="1"/>
+          </p:nvPr>
+        </p:nvSpPr>
+        <p:spPr/>
+        <p:txBody>
+          <a:bodyPr/>
+          <a:lstStyle/>
+          <a:p>
+            <a:endParaRPr lang="fr-FR"/>
+          </a:p>
+        </p:txBody>
+      </p:sp>
+      <p:pic>
+        <p:nvPicPr>
+          <p:cNvPr id="4" name="Image 3"/>
+          <p:cNvPicPr>
+            <a:picLocks noChangeAspect="1"/>
+          </p:cNvPicPr>
+          <p:nvPr/>
+        </p:nvPicPr>
+        <p:blipFill>
+          <a:blip r:embed="rId2"/>
+          <a:stretch>
+            <a:fillRect/>
+          </a:stretch>
+        </p:blipFill>
+        <p:spPr>
+          <a:xfrm>
+            <a:off x="1457122" y="2143058"/>
+            <a:ext cx="8365608" cy="3863251"/>
+          </a:xfrm>
+          <a:prstGeom prst="rect">
+            <a:avLst/>
+          </a:prstGeom>
+        </p:spPr>
+      </p:pic>
+    </p:spTree>
+    <p:extLst>
+      <p:ext uri="{BB962C8B-B14F-4D97-AF65-F5344CB8AC3E}">
+        <p14:creationId xmlns:p14="http://schemas.microsoft.com/office/powerpoint/2010/main" val="1406665510"/>
+      </p:ext>
+    </p:extLst>
+  </p:cSld>
+  <p:clrMapOvr>
+    <a:masterClrMapping/>
+  </p:clrMapOvr>
+</p:sld>
+</file>
+
+<file path=ppt/slides/slide9.xml><?xml version="1.0" encoding="utf-8"?>
+<p:sld xmlns:a="http://schemas.openxmlformats.org/drawingml/2006/main" xmlns:r="http://schemas.openxmlformats.org/officeDocument/2006/relationships" xmlns:p="http://schemas.openxmlformats.org/presentationml/2006/main">
+  <p:cSld>
+    <p:spTree>
+      <p:nvGrpSpPr>
+        <p:cNvPr id="1" name=""/>
+        <p:cNvGrpSpPr/>
+        <p:nvPr/>
+      </p:nvGrpSpPr>
+      <p:grpSpPr>
+        <a:xfrm>
+          <a:off x="0" y="0"/>
+          <a:ext cx="0" cy="0"/>
+          <a:chOff x="0" y="0"/>
+          <a:chExt cx="0" cy="0"/>
+        </a:xfrm>
+      </p:grpSpPr>
+      <p:sp>
+        <p:nvSpPr>
+          <p:cNvPr id="2" name="Titre 1"/>
+          <p:cNvSpPr>
+            <a:spLocks noGrp="1"/>
+          </p:cNvSpPr>
+          <p:nvPr>
+            <p:ph type="title"/>
+          </p:nvPr>
+        </p:nvSpPr>
+        <p:spPr/>
+        <p:txBody>
+          <a:bodyPr/>
+          <a:lstStyle/>
+          <a:p>
+            <a:endParaRPr lang="fr-FR"/>
+          </a:p>
+        </p:txBody>
+      </p:sp>
+      <p:pic>
+        <p:nvPicPr>
+          <p:cNvPr id="4" name="Espace réservé du contenu 3"/>
+          <p:cNvPicPr>
+            <a:picLocks noGrp="1" noChangeAspect="1"/>
+          </p:cNvPicPr>
+          <p:nvPr>
+            <p:ph idx="1"/>
+          </p:nvPr>
+        </p:nvPicPr>
+        <p:blipFill>
+          <a:blip r:embed="rId2"/>
+          <a:stretch>
+            <a:fillRect/>
+          </a:stretch>
+        </p:blipFill>
+        <p:spPr>
+          <a:xfrm>
+            <a:off x="1820670" y="2156516"/>
+            <a:ext cx="7512436" cy="3988005"/>
+          </a:xfrm>
+          <a:prstGeom prst="rect">
+            <a:avLst/>
+          </a:prstGeom>
+        </p:spPr>
+      </p:pic>
+    </p:spTree>
+    <p:extLst>
+      <p:ext uri="{BB962C8B-B14F-4D97-AF65-F5344CB8AC3E}">
+        <p14:creationId xmlns:p14="http://schemas.microsoft.com/office/powerpoint/2010/main" val="3449962941"/>
       </p:ext>
     </p:extLst>
   </p:cSld>
